--- a/实验室/QuatRE/QuatRE.pptx
+++ b/实验室/QuatRE/QuatRE.pptx
@@ -839,6 +839,25 @@
         <p:txBody>
           <a:bodyPr/>
           <a:lstStyle/>
+          <a:p>
+            <a:r>
+              <a:rPr lang="en-US" altLang="zh-CN" dirty="0"/>
+              <a:t>Vr,1</a:t>
+            </a:r>
+            <a:r>
+              <a:rPr lang="zh-CN" altLang="en-US" dirty="0"/>
+              <a:t>是和</a:t>
+            </a:r>
+            <a:r>
+              <a:rPr lang="en-US" altLang="zh-CN" dirty="0" err="1"/>
+              <a:t>Vr</a:t>
+            </a:r>
+            <a:r>
+              <a:rPr lang="zh-CN" altLang="en-US" dirty="0"/>
+              <a:t>一起随机生成的向量</a:t>
+            </a:r>
+            <a:endParaRPr lang="en-US" altLang="zh-CN" dirty="0"/>
+          </a:p>
           <a:p>
             <a:endParaRPr lang="en-US" altLang="zh-CN" dirty="0"/>
           </a:p>
@@ -13610,8 +13629,8 @@
           </a:p>
         </p:txBody>
       </p:sp>
-      <mc:AlternateContent xmlns:mc="http://schemas.openxmlformats.org/markup-compatibility/2006">
-        <mc:Choice xmlns:a14="http://schemas.microsoft.com/office/drawing/2010/main" Requires="a14">
+      <mc:AlternateContent xmlns:mc="http://schemas.openxmlformats.org/markup-compatibility/2006" xmlns:a14="http://schemas.microsoft.com/office/drawing/2010/main">
+        <mc:Choice Requires="a14">
           <p:sp>
             <p:nvSpPr>
               <p:cNvPr id="8195" name="内容占位符 2"/>
@@ -14091,7 +14110,7 @@
             </p:txBody>
           </p:sp>
         </mc:Choice>
-        <mc:Fallback>
+        <mc:Fallback xmlns="">
           <p:sp>
             <p:nvSpPr>
               <p:cNvPr id="8195" name="内容占位符 2"/>
@@ -14388,8 +14407,8 @@
           </a:p>
         </p:txBody>
       </p:sp>
-      <mc:AlternateContent xmlns:mc="http://schemas.openxmlformats.org/markup-compatibility/2006">
-        <mc:Choice xmlns:a14="http://schemas.microsoft.com/office/drawing/2010/main" Requires="a14">
+      <mc:AlternateContent xmlns:mc="http://schemas.openxmlformats.org/markup-compatibility/2006" xmlns:a14="http://schemas.microsoft.com/office/drawing/2010/main">
+        <mc:Choice Requires="a14">
           <p:sp>
             <p:nvSpPr>
               <p:cNvPr id="8195" name="内容占位符 2"/>
@@ -14674,7 +14693,7 @@
             </p:txBody>
           </p:sp>
         </mc:Choice>
-        <mc:Fallback>
+        <mc:Fallback xmlns="">
           <p:sp>
             <p:nvSpPr>
               <p:cNvPr id="8195" name="内容占位符 2"/>
@@ -15000,8 +15019,8 @@
           </a:p>
         </p:txBody>
       </p:sp>
-      <mc:AlternateContent xmlns:mc="http://schemas.openxmlformats.org/markup-compatibility/2006">
-        <mc:Choice xmlns:a14="http://schemas.microsoft.com/office/drawing/2010/main" Requires="a14">
+      <mc:AlternateContent xmlns:mc="http://schemas.openxmlformats.org/markup-compatibility/2006" xmlns:a14="http://schemas.microsoft.com/office/drawing/2010/main">
+        <mc:Choice Requires="a14">
           <p:sp>
             <p:nvSpPr>
               <p:cNvPr id="8195" name="内容占位符 2"/>
@@ -15124,7 +15143,9 @@
                       <m:sSub>
                         <m:sSubPr>
                           <m:ctrlPr>
-                            <a:rPr lang="en-US" altLang="zh-CN"/>
+                            <a:rPr lang="en-US" altLang="zh-CN" i="1">
+                              <a:latin typeface="Cambria Math" panose="02040503050406030204" pitchFamily="18" charset="0"/>
+                            </a:rPr>
                           </m:ctrlPr>
                         </m:sSubPr>
                         <m:e>
@@ -15138,46 +15159,18 @@
                         </m:e>
                         <m:sub>
                           <m:r>
-                            <a:rPr lang="en-US" altLang="zh-CN"/>
+                            <a:rPr lang="en-US" altLang="zh-CN">
+                              <a:latin typeface="Cambria Math" panose="02040503050406030204" pitchFamily="18" charset="0"/>
+                            </a:rPr>
                             <m:t>h</m:t>
                           </m:r>
                         </m:sub>
                       </m:sSub>
                       <m:r>
-                        <a:rPr lang="zh-CN" altLang="en-US"/>
-                        <m:t>是</m:t>
-                      </m:r>
-                      <m:r>
-                        <a:rPr lang="zh-CN" altLang="en-US"/>
-                        <m:t>每个</m:t>
-                      </m:r>
-                      <m:r>
-                        <a:rPr lang="zh-CN" altLang="en-US"/>
-                        <m:t>尾部</m:t>
-                      </m:r>
-                      <m:r>
-                        <a:rPr lang="zh-CN" altLang="en-US"/>
-                        <m:t>实体</m:t>
-                      </m:r>
-                      <m:r>
-                        <a:rPr lang="zh-CN" altLang="en-US"/>
-                        <m:t>的</m:t>
-                      </m:r>
-                      <m:r>
-                        <a:rPr lang="zh-CN" altLang="en-US"/>
-                        <m:t>头部</m:t>
-                      </m:r>
-                      <m:r>
-                        <a:rPr lang="zh-CN" altLang="en-US"/>
-                        <m:t>实体的</m:t>
-                      </m:r>
-                      <m:r>
-                        <a:rPr lang="zh-CN" altLang="en-US"/>
-                        <m:t>平均</m:t>
-                      </m:r>
-                      <m:r>
-                        <a:rPr lang="zh-CN" altLang="en-US"/>
-                        <m:t>数量</m:t>
+                        <a:rPr lang="zh-CN" altLang="en-US">
+                          <a:latin typeface="Cambria Math" panose="02040503050406030204" pitchFamily="18" charset="0"/>
+                        </a:rPr>
+                        <m:t>是每个尾部实体的头部实体的平均数量</m:t>
                       </m:r>
                     </m:oMath>
                   </m:oMathPara>
@@ -15521,7 +15514,7 @@
             </p:txBody>
           </p:sp>
         </mc:Choice>
-        <mc:Fallback>
+        <mc:Fallback xmlns="">
           <p:sp>
             <p:nvSpPr>
               <p:cNvPr id="8195" name="内容占位符 2"/>
@@ -17189,8 +17182,8 @@
           </a:p>
         </p:txBody>
       </p:sp>
-      <mc:AlternateContent xmlns:mc="http://schemas.openxmlformats.org/markup-compatibility/2006">
-        <mc:Choice xmlns:a14="http://schemas.microsoft.com/office/drawing/2010/main" Requires="a14">
+      <mc:AlternateContent xmlns:mc="http://schemas.openxmlformats.org/markup-compatibility/2006" xmlns:a14="http://schemas.microsoft.com/office/drawing/2010/main">
+        <mc:Choice Requires="a14">
           <p:sp>
             <p:nvSpPr>
               <p:cNvPr id="8195" name="内容占位符 2"/>
@@ -17750,7 +17743,7 @@
             </p:txBody>
           </p:sp>
         </mc:Choice>
-        <mc:Fallback>
+        <mc:Fallback xmlns="">
           <p:sp>
             <p:nvSpPr>
               <p:cNvPr id="8195" name="内容占位符 2"/>
@@ -20705,8 +20698,8 @@
           </a:p>
         </p:txBody>
       </p:sp>
-      <mc:AlternateContent xmlns:mc="http://schemas.openxmlformats.org/markup-compatibility/2006">
-        <mc:Choice xmlns:a14="http://schemas.microsoft.com/office/drawing/2010/main" Requires="a14">
+      <mc:AlternateContent xmlns:mc="http://schemas.openxmlformats.org/markup-compatibility/2006" xmlns:a14="http://schemas.microsoft.com/office/drawing/2010/main">
+        <mc:Choice Requires="a14">
           <p:sp>
             <p:nvSpPr>
               <p:cNvPr id="8195" name="内容占位符 2"/>
@@ -20965,7 +20958,7 @@
             </p:txBody>
           </p:sp>
         </mc:Choice>
-        <mc:Fallback>
+        <mc:Fallback xmlns="">
           <p:sp>
             <p:nvSpPr>
               <p:cNvPr id="8195" name="内容占位符 2"/>
